--- a/Dokumentation/Präsentation IT 3.pptx
+++ b/Dokumentation/Präsentation IT 3.pptx
@@ -9135,7 +9135,7 @@
             </a:pPr>
             <a:r>
               <a:rPr lang="de-DE" dirty="0"/>
-              <a:t>Übertragung konkreter Spielereignisse via</a:t>
+              <a:t>Übertragung konkreter Spielereignisse über TCP</a:t>
             </a:r>
           </a:p>
           <a:p>
@@ -9158,7 +9158,7 @@
             </a:pPr>
             <a:r>
               <a:rPr lang="de-DE" dirty="0"/>
-              <a:t>Generelle Synchronisation via</a:t>
+              <a:t>Generelle Synchronisation über UDP</a:t>
             </a:r>
           </a:p>
           <a:p>
@@ -9190,64 +9190,6 @@
           </a:p>
         </p:txBody>
       </p:sp>
-      <p:sp>
-        <p:nvSpPr>
-          <p:cNvPr id="5" name="Textfeld 4"/>
-          <p:cNvSpPr txBox="1"/>
-          <p:nvPr/>
-        </p:nvSpPr>
-        <p:spPr>
-          <a:xfrm>
-            <a:off x="4500000" y="2966400"/>
-            <a:ext cx="576064" cy="369332"/>
-          </a:xfrm>
-          <a:prstGeom prst="rect">
-            <a:avLst/>
-          </a:prstGeom>
-          <a:noFill/>
-        </p:spPr>
-        <p:txBody>
-          <a:bodyPr wrap="square" rtlCol="0">
-            <a:spAutoFit/>
-          </a:bodyPr>
-          <a:lstStyle/>
-          <a:p>
-            <a:r>
-              <a:rPr lang="de-DE" dirty="0"/>
-              <a:t>TCP</a:t>
-            </a:r>
-          </a:p>
-        </p:txBody>
-      </p:sp>
-      <p:sp>
-        <p:nvSpPr>
-          <p:cNvPr id="10" name="Textfeld 9"/>
-          <p:cNvSpPr txBox="1"/>
-          <p:nvPr/>
-        </p:nvSpPr>
-        <p:spPr>
-          <a:xfrm>
-            <a:off x="3366000" y="3528000"/>
-            <a:ext cx="648072" cy="369332"/>
-          </a:xfrm>
-          <a:prstGeom prst="rect">
-            <a:avLst/>
-          </a:prstGeom>
-          <a:noFill/>
-        </p:spPr>
-        <p:txBody>
-          <a:bodyPr wrap="square" rtlCol="0">
-            <a:spAutoFit/>
-          </a:bodyPr>
-          <a:lstStyle/>
-          <a:p>
-            <a:r>
-              <a:rPr lang="de-DE" dirty="0"/>
-              <a:t>UDP</a:t>
-            </a:r>
-          </a:p>
-        </p:txBody>
-      </p:sp>
     </p:spTree>
     <p:extLst>
       <p:ext uri="{BB962C8B-B14F-4D97-AF65-F5344CB8AC3E}">
@@ -9270,128 +9212,6 @@
       </p:transition>
     </mc:Fallback>
   </mc:AlternateContent>
-  <p:timing>
-    <p:tnLst>
-      <p:par>
-        <p:cTn id="1" dur="indefinite" restart="never" nodeType="tmRoot">
-          <p:childTnLst>
-            <p:seq concurrent="1" nextAc="seek">
-              <p:cTn id="2" dur="indefinite" nodeType="mainSeq">
-                <p:childTnLst>
-                  <p:par>
-                    <p:cTn id="3" fill="hold">
-                      <p:stCondLst>
-                        <p:cond delay="indefinite"/>
-                      </p:stCondLst>
-                      <p:childTnLst>
-                        <p:par>
-                          <p:cTn id="4" fill="hold">
-                            <p:stCondLst>
-                              <p:cond delay="0"/>
-                            </p:stCondLst>
-                            <p:childTnLst>
-                              <p:par>
-                                <p:cTn id="5" presetID="15" presetClass="emph" presetSubtype="0" grpId="0" nodeType="clickEffect">
-                                  <p:stCondLst>
-                                    <p:cond delay="0"/>
-                                  </p:stCondLst>
-                                  <p:iterate type="lt">
-                                    <p:tmAbs val="25"/>
-                                  </p:iterate>
-                                  <p:childTnLst>
-                                    <p:set>
-                                      <p:cBhvr override="childStyle">
-                                        <p:cTn id="6" dur="indefinite"/>
-                                        <p:tgtEl>
-                                          <p:spTgt spid="5"/>
-                                        </p:tgtEl>
-                                        <p:attrNameLst>
-                                          <p:attrName>style.fontWeight</p:attrName>
-                                        </p:attrNameLst>
-                                      </p:cBhvr>
-                                      <p:to>
-                                        <p:strVal val="bold"/>
-                                      </p:to>
-                                    </p:set>
-                                  </p:childTnLst>
-                                </p:cTn>
-                              </p:par>
-                            </p:childTnLst>
-                          </p:cTn>
-                        </p:par>
-                      </p:childTnLst>
-                    </p:cTn>
-                  </p:par>
-                  <p:par>
-                    <p:cTn id="7" fill="hold">
-                      <p:stCondLst>
-                        <p:cond delay="indefinite"/>
-                      </p:stCondLst>
-                      <p:childTnLst>
-                        <p:par>
-                          <p:cTn id="8" fill="hold">
-                            <p:stCondLst>
-                              <p:cond delay="0"/>
-                            </p:stCondLst>
-                            <p:childTnLst>
-                              <p:par>
-                                <p:cTn id="9" presetID="15" presetClass="emph" presetSubtype="0" grpId="0" nodeType="clickEffect">
-                                  <p:stCondLst>
-                                    <p:cond delay="0"/>
-                                  </p:stCondLst>
-                                  <p:iterate type="lt">
-                                    <p:tmAbs val="25"/>
-                                  </p:iterate>
-                                  <p:childTnLst>
-                                    <p:set>
-                                      <p:cBhvr override="childStyle">
-                                        <p:cTn id="10" dur="indefinite"/>
-                                        <p:tgtEl>
-                                          <p:spTgt spid="10"/>
-                                        </p:tgtEl>
-                                        <p:attrNameLst>
-                                          <p:attrName>style.fontWeight</p:attrName>
-                                        </p:attrNameLst>
-                                      </p:cBhvr>
-                                      <p:to>
-                                        <p:strVal val="bold"/>
-                                      </p:to>
-                                    </p:set>
-                                  </p:childTnLst>
-                                </p:cTn>
-                              </p:par>
-                            </p:childTnLst>
-                          </p:cTn>
-                        </p:par>
-                      </p:childTnLst>
-                    </p:cTn>
-                  </p:par>
-                </p:childTnLst>
-              </p:cTn>
-              <p:prevCondLst>
-                <p:cond evt="onPrev" delay="0">
-                  <p:tgtEl>
-                    <p:sldTgt/>
-                  </p:tgtEl>
-                </p:cond>
-              </p:prevCondLst>
-              <p:nextCondLst>
-                <p:cond evt="onNext" delay="0">
-                  <p:tgtEl>
-                    <p:sldTgt/>
-                  </p:tgtEl>
-                </p:cond>
-              </p:nextCondLst>
-            </p:seq>
-          </p:childTnLst>
-        </p:cTn>
-      </p:par>
-    </p:tnLst>
-    <p:bldLst>
-      <p:bldP spid="5" grpId="0"/>
-      <p:bldP spid="10" grpId="0"/>
-    </p:bldLst>
-  </p:timing>
 </p:sld>
 </file>
 
